--- a/manual/manual_template.pptx
+++ b/manual/manual_template.pptx
@@ -7234,7 +7234,7 @@
         <p:spPr>
           <a:xfrm>
             <a:off x="711384" y="1331640"/>
-            <a:ext cx="5328592" cy="830997"/>
+            <a:ext cx="5328592" cy="2492990"/>
           </a:xfrm>
           <a:prstGeom prst="rect">
             <a:avLst/>
@@ -7251,6 +7251,48 @@
               <a:rPr lang="en-US" sz="1200" dirty="0"/>
               <a:t>If a player pauses the battle with button 1, only he can resume it with the same button again. During the break, the players can have a look at the current scoreboard (see Figure 2).</a:t>
             </a:r>
+          </a:p>
+          <a:p>
+            <a:endParaRPr lang="en-US" sz="1200" dirty="0"/>
+          </a:p>
+          <a:p>
+            <a:endParaRPr lang="en-US" sz="1200" dirty="0"/>
+          </a:p>
+          <a:p>
+            <a:endParaRPr lang="en-US" sz="1200" dirty="0"/>
+          </a:p>
+          <a:p>
+            <a:endParaRPr lang="en-US" sz="1200" dirty="0"/>
+          </a:p>
+          <a:p>
+            <a:endParaRPr lang="en-US" sz="1200" dirty="0"/>
+          </a:p>
+          <a:p>
+            <a:r>
+              <a:rPr lang="en-US" sz="1200" dirty="0"/>
+              <a:t>Additional Info:</a:t>
+            </a:r>
+          </a:p>
+          <a:p>
+            <a:pPr marL="171450" indent="-171450">
+              <a:buFontTx/>
+              <a:buChar char="-"/>
+            </a:pPr>
+            <a:r>
+              <a:rPr lang="en-GB" sz="1200" dirty="0"/>
+              <a:t>Each drone starts with a default health of 50. Health decreases when hit by a bullet by 10.</a:t>
+            </a:r>
+          </a:p>
+          <a:p>
+            <a:pPr marL="171450" indent="-171450">
+              <a:buFontTx/>
+              <a:buChar char="-"/>
+            </a:pPr>
+            <a:r>
+              <a:rPr lang="en-US" sz="1200"/>
+              <a:t>…</a:t>
+            </a:r>
+            <a:endParaRPr lang="en-US" sz="1200" dirty="0"/>
           </a:p>
           <a:p>
             <a:endParaRPr lang="en-US" sz="1200" dirty="0"/>

--- a/manual/manual_template.pptx
+++ b/manual/manual_template.pptx
@@ -3059,7 +3059,7 @@
                   <a:srgbClr val="000000"/>
                 </a:solidFill>
               </a:rPr>
-              <a:t>29.07.2025</a:t>
+              <a:t>30.07.2025</a:t>
             </a:fld>
             <a:endParaRPr lang="de-DE" dirty="0">
               <a:solidFill>
@@ -4098,7 +4098,7 @@
                   <a:srgbClr val="000000"/>
                 </a:solidFill>
               </a:rPr>
-              <a:t>29.07.2025</a:t>
+              <a:t>30.07.2025</a:t>
             </a:fld>
             <a:endParaRPr lang="de-DE" dirty="0">
               <a:solidFill>
@@ -6554,9 +6554,9 @@
             </a:r>
           </a:p>
           <a:p>
-            <a:pPr marL="171450" indent="-171450">
-              <a:buFont typeface="Arial" panose="020B0604020202020204" pitchFamily="34" charset="0"/>
-              <a:buChar char="•"/>
+            <a:pPr marL="228600" indent="-228600">
+              <a:buFont typeface="+mj-lt"/>
+              <a:buAutoNum type="arabicPeriod"/>
             </a:pPr>
             <a:r>
               <a:rPr lang="en-GB" sz="1200" b="1" dirty="0"/>
@@ -6564,13 +6564,13 @@
             </a:r>
             <a:r>
               <a:rPr lang="en-GB" sz="1200" dirty="0"/>
-              <a:t> Are you better than the computer? One player competes against three computer controlled drones.</a:t>
-            </a:r>
-          </a:p>
-          <a:p>
-            <a:pPr marL="171450" indent="-171450">
-              <a:buFont typeface="Arial" panose="020B0604020202020204" pitchFamily="34" charset="0"/>
-              <a:buChar char="•"/>
+              <a:t> Are you better than the computer? One player fights with three computer-controlled drones in the arena.</a:t>
+            </a:r>
+          </a:p>
+          <a:p>
+            <a:pPr marL="228600" indent="-228600">
+              <a:buFont typeface="+mj-lt"/>
+              <a:buAutoNum type="arabicPeriod"/>
             </a:pPr>
             <a:r>
               <a:rPr lang="en-GB" sz="1200" b="1" dirty="0"/>
@@ -6578,13 +6578,13 @@
             </a:r>
             <a:r>
               <a:rPr lang="en-GB" sz="1200" dirty="0"/>
-              <a:t> Invite a friend and let him join. Two human players and two computer controlled drones fight individually.</a:t>
-            </a:r>
-          </a:p>
-          <a:p>
-            <a:pPr marL="171450" indent="-171450">
-              <a:buFont typeface="Arial" panose="020B0604020202020204" pitchFamily="34" charset="0"/>
-              <a:buChar char="•"/>
+              <a:t> Invite a friend and let him join. Two human players and two computer-controlled drones fight individually.</a:t>
+            </a:r>
+          </a:p>
+          <a:p>
+            <a:pPr marL="228600" indent="-228600">
+              <a:buFont typeface="+mj-lt"/>
+              <a:buAutoNum type="arabicPeriod"/>
             </a:pPr>
             <a:r>
               <a:rPr lang="en-GB" sz="1200" b="1" dirty="0"/>
@@ -6617,7 +6617,7 @@
           <a:p>
             <a:r>
               <a:rPr lang="en-US" sz="1200" dirty="0"/>
-              <a:t>The game boots directly into the game mode selection, which is already the only option to configure. Search with Button 2 or 3 a game mode and start it with Button 4. </a:t>
+              <a:t>The game boots directly into the game mode selection, which is already the only option to configure. Scroll with Button 2 or 3 through the game modes and start it with Button 4. The numbers correspond to the numbering above.</a:t>
             </a:r>
           </a:p>
           <a:p>
@@ -6650,7 +6650,7 @@
           <a:p>
             <a:r>
               <a:rPr lang="en-GB" sz="1200" dirty="0"/>
-              <a:t>If your drone is shot down, don’t worry. You will receive a new drone after a 4 s cooldown period. There are also unlimited respawns.</a:t>
+              <a:t>If your drone is shot down, don’t worry. You will receive a new drone after a 4-second cooldown period. You have unlimited respawns.</a:t>
             </a:r>
           </a:p>
           <a:p>
@@ -6767,7 +6767,7 @@
             </a:pPr>
             <a:r>
               <a:rPr lang="en-GB" sz="1200" dirty="0"/>
-              <a:t>Only the final hit counts! The last drone that strikes the killing blow receives credit for the elimination.</a:t>
+              <a:t>Only the final hit counts. The last drone that strikes the killing blow receives credit for the elimination.</a:t>
             </a:r>
           </a:p>
           <a:p>
@@ -6777,7 +6777,7 @@
             </a:pPr>
             <a:r>
               <a:rPr lang="en-GB" sz="1200" dirty="0"/>
-              <a:t>Assist do not exist. If you can’t finish, you loose!</a:t>
+              <a:t>Assists do not exist. If you can’t finish, you loose!</a:t>
             </a:r>
           </a:p>
           <a:p>
@@ -6789,7 +6789,7 @@
           <a:p>
             <a:r>
               <a:rPr lang="en-GB" sz="1200" i="1" dirty="0"/>
-              <a:t>“It's not about who shoots the most ... it's about who shoots last!”</a:t>
+              <a:t>“It’s not about who shoots the most ... It’s about who shoots last!”</a:t>
             </a:r>
             <a:endParaRPr lang="en-US" sz="1200" i="1" dirty="0"/>
           </a:p>
@@ -6835,7 +6835,7 @@
         <p:spPr>
           <a:xfrm>
             <a:off x="860235" y="1358901"/>
-            <a:ext cx="5328592" cy="1015663"/>
+            <a:ext cx="5233061" cy="1015663"/>
           </a:xfrm>
           <a:prstGeom prst="rect">
             <a:avLst/>
@@ -6850,13 +6850,13 @@
           <a:p>
             <a:r>
               <a:rPr lang="en-US" sz="1200" dirty="0"/>
-              <a:t>During an active battle, you can view the current score board within the pause menu (see Figure 1). </a:t>
+              <a:t>During an active battle, you can view the current scoreboard within the pause menu (see Figure 1). </a:t>
             </a:r>
           </a:p>
           <a:p>
             <a:r>
               <a:rPr lang="en-US" sz="1200" dirty="0"/>
-              <a:t>As soon as the battle finishes, you will be presented a summary of the game (see Figure 2). You can view the scoreboard as long as you do not restart or return to the home screen. There is no battle history.</a:t>
+              <a:t>As soon as the battle finishes, you will be presented a summary of the game (see Figure 2). You can view the scoreboard as long you do not restart or return to the home screen. There is no battle history.</a:t>
             </a:r>
           </a:p>
         </p:txBody>
@@ -6890,7 +6890,7 @@
         </p:blipFill>
         <p:spPr>
           <a:xfrm>
-            <a:off x="3539822" y="2422488"/>
+            <a:off x="3539822" y="2506540"/>
             <a:ext cx="2337452" cy="2925154"/>
           </a:xfrm>
           <a:prstGeom prst="rect">
@@ -6959,81 +6959,6 @@
             <a:r>
               <a:rPr lang="de-DE" sz="2400" b="1" dirty="0"/>
               <a:t>SCOREBOARD</a:t>
-            </a:r>
-            <a:endParaRPr kumimoji="0" lang="de-DE" sz="2400" b="1" i="0" u="none" strike="noStrike" cap="none" normalizeH="0" baseline="0" dirty="0">
-              <a:ln>
-                <a:noFill/>
-              </a:ln>
-              <a:solidFill>
-                <a:schemeClr val="tx1"/>
-              </a:solidFill>
-              <a:effectLst/>
-              <a:latin typeface="Arial" charset="0"/>
-            </a:endParaRPr>
-          </a:p>
-        </p:txBody>
-      </p:sp>
-      <p:sp>
-        <p:nvSpPr>
-          <p:cNvPr id="15" name="Rechteck 14">
-            <a:extLst>
-              <a:ext uri="{FF2B5EF4-FFF2-40B4-BE49-F238E27FC236}">
-                <a16:creationId xmlns:a16="http://schemas.microsoft.com/office/drawing/2014/main" id="{8CEB3933-7714-6E54-C47F-8BF6237C4685}"/>
-              </a:ext>
-            </a:extLst>
-          </p:cNvPr>
-          <p:cNvSpPr/>
-          <p:nvPr/>
-        </p:nvSpPr>
-        <p:spPr bwMode="auto">
-          <a:xfrm>
-            <a:off x="683649" y="5796136"/>
-            <a:ext cx="5527334" cy="436368"/>
-          </a:xfrm>
-          <a:prstGeom prst="rect">
-            <a:avLst/>
-          </a:prstGeom>
-          <a:solidFill>
-            <a:schemeClr val="bg1">
-              <a:lumMod val="65000"/>
-            </a:schemeClr>
-          </a:solidFill>
-          <a:ln w="9525" cap="flat" cmpd="sng" algn="ctr">
-            <a:noFill/>
-            <a:prstDash val="solid"/>
-            <a:round/>
-            <a:headEnd type="none" w="med" len="med"/>
-            <a:tailEnd type="none" w="med" len="med"/>
-          </a:ln>
-          <a:effectLst/>
-        </p:spPr>
-        <p:txBody>
-          <a:bodyPr vert="horz" wrap="square" lIns="91440" tIns="45720" rIns="91440" bIns="45720" numCol="1" rtlCol="0" anchor="t" anchorCtr="0" compatLnSpc="1">
-            <a:prstTxWarp prst="textNoShape">
-              <a:avLst/>
-            </a:prstTxWarp>
-          </a:bodyPr>
-          <a:lstStyle/>
-          <a:p>
-            <a:pPr marL="0" marR="0" indent="0" algn="ctr" defTabSz="914400" rtl="0" eaLnBrk="0" fontAlgn="base" latinLnBrk="0" hangingPunct="0">
-              <a:lnSpc>
-                <a:spcPct val="100000"/>
-              </a:lnSpc>
-              <a:spcBef>
-                <a:spcPct val="0"/>
-              </a:spcBef>
-              <a:spcAft>
-                <a:spcPct val="0"/>
-              </a:spcAft>
-              <a:buClrTx/>
-              <a:buSzTx/>
-              <a:buFontTx/>
-              <a:buNone/>
-              <a:tabLst/>
-            </a:pPr>
-            <a:r>
-              <a:rPr lang="de-DE" sz="2400" b="1" dirty="0"/>
-              <a:t>AFTER THE BATTLE</a:t>
             </a:r>
             <a:endParaRPr kumimoji="0" lang="de-DE" sz="2400" b="1" i="0" u="none" strike="noStrike" cap="none" normalizeH="0" baseline="0" dirty="0">
               <a:ln>
@@ -7077,7 +7002,7 @@
         </p:blipFill>
         <p:spPr>
           <a:xfrm>
-            <a:off x="980728" y="2422488"/>
+            <a:off x="980728" y="2506540"/>
             <a:ext cx="2337452" cy="2925154"/>
           </a:xfrm>
           <a:prstGeom prst="rect">
@@ -7099,8 +7024,8 @@
         </p:nvSpPr>
         <p:spPr>
           <a:xfrm>
-            <a:off x="860235" y="5344362"/>
-            <a:ext cx="5328592" cy="276999"/>
+            <a:off x="860235" y="5428414"/>
+            <a:ext cx="5161054" cy="276999"/>
           </a:xfrm>
           <a:prstGeom prst="rect">
             <a:avLst/>
@@ -7115,17 +7040,17 @@
           <a:p>
             <a:r>
               <a:rPr lang="en-US" sz="1200" dirty="0"/>
-              <a:t> Fig. 1: Pause Menu	                  Fig. 2: Battle Summary</a:t>
+              <a:t> Fig. 1: Pause Menu	                  Fig. 2: Winner Screen with Stats</a:t>
             </a:r>
           </a:p>
         </p:txBody>
       </p:sp>
       <p:sp>
         <p:nvSpPr>
-          <p:cNvPr id="19" name="Textfeld 18">
+          <p:cNvPr id="10" name="Textfeld 9">
             <a:extLst>
               <a:ext uri="{FF2B5EF4-FFF2-40B4-BE49-F238E27FC236}">
-                <a16:creationId xmlns:a16="http://schemas.microsoft.com/office/drawing/2014/main" id="{62005D85-D526-D6EB-B4AD-97CB51CB6186}"/>
+                <a16:creationId xmlns:a16="http://schemas.microsoft.com/office/drawing/2014/main" id="{6071DA56-9215-D2EB-5161-413087142F39}"/>
               </a:ext>
             </a:extLst>
           </p:cNvPr>
@@ -7134,8 +7059,8 @@
         </p:nvSpPr>
         <p:spPr>
           <a:xfrm>
-            <a:off x="783020" y="6407279"/>
-            <a:ext cx="5328592" cy="1754326"/>
+            <a:off x="714068" y="6700824"/>
+            <a:ext cx="5328592" cy="1384995"/>
           </a:xfrm>
           <a:prstGeom prst="rect">
             <a:avLst/>
@@ -7150,35 +7075,116 @@
           <a:p>
             <a:r>
               <a:rPr lang="en-US" sz="1200" dirty="0"/>
-              <a:t>The moment a player wins the battle a summary of the game will be shown. You can see the player who won, player stats and possible further actions.</a:t>
-            </a:r>
-          </a:p>
-          <a:p>
-            <a:r>
-              <a:rPr lang="en-US" sz="1200" b="1" dirty="0"/>
-              <a:t>PLAYER STATS</a:t>
-            </a:r>
-          </a:p>
-          <a:p>
-            <a:r>
-              <a:rPr lang="en-US" sz="1200" dirty="0"/>
-              <a:t>A table with kills and deaths of each player will be shown, to compare different players. An asterisk indicates the winning player.</a:t>
-            </a:r>
-          </a:p>
-          <a:p>
-            <a:r>
-              <a:rPr lang="en-US" sz="1200" b="1" dirty="0"/>
-              <a:t>FURTHER ACTIONS</a:t>
-            </a:r>
-          </a:p>
-          <a:p>
-            <a:r>
-              <a:rPr lang="en-US" sz="1200" dirty="0"/>
-              <a:t>If you want to select a different game mode, press button 1. If want to play the same game mode again, press the button 4.</a:t>
-            </a:r>
-          </a:p>
-          <a:p>
-            <a:endParaRPr lang="en-US" sz="1200" dirty="0"/>
+              <a:t>If a player pauses the battle with button 1, only he can resume it with the same button again</a:t>
+            </a:r>
+            <a:r>
+              <a:rPr lang="en-GB" sz="1200" dirty="0"/>
+              <a:t>. During pause mode:</a:t>
+            </a:r>
+          </a:p>
+          <a:p>
+            <a:pPr marL="171450" indent="-171450">
+              <a:buFont typeface="Arial" panose="020B0604020202020204" pitchFamily="34" charset="0"/>
+              <a:buChar char="•"/>
+            </a:pPr>
+            <a:r>
+              <a:rPr lang="en-GB" sz="1200" dirty="0"/>
+              <a:t>All in-game action is paused, but the rendering continues.</a:t>
+            </a:r>
+          </a:p>
+          <a:p>
+            <a:pPr marL="171450" indent="-171450">
+              <a:buFont typeface="Arial" panose="020B0604020202020204" pitchFamily="34" charset="0"/>
+              <a:buChar char="•"/>
+            </a:pPr>
+            <a:r>
+              <a:rPr lang="en-GB" sz="1200" dirty="0"/>
+              <a:t>The current scoreboard is shown (see Figure 1) and shows the current stats for each player.</a:t>
+            </a:r>
+          </a:p>
+          <a:p>
+            <a:endParaRPr lang="en-GB" sz="1200" dirty="0"/>
+          </a:p>
+          <a:p>
+            <a:r>
+              <a:rPr lang="en-GB" sz="1200" dirty="0"/>
+              <a:t>Press Button 1 again to resume the battle.</a:t>
+            </a:r>
+          </a:p>
+        </p:txBody>
+      </p:sp>
+      <p:sp>
+        <p:nvSpPr>
+          <p:cNvPr id="13" name="Rechteck 12">
+            <a:extLst>
+              <a:ext uri="{FF2B5EF4-FFF2-40B4-BE49-F238E27FC236}">
+                <a16:creationId xmlns:a16="http://schemas.microsoft.com/office/drawing/2014/main" id="{2EEA78A7-EDEB-DC29-2BAD-527241743590}"/>
+              </a:ext>
+            </a:extLst>
+          </p:cNvPr>
+          <p:cNvSpPr/>
+          <p:nvPr/>
+        </p:nvSpPr>
+        <p:spPr bwMode="auto">
+          <a:xfrm>
+            <a:off x="668017" y="6158336"/>
+            <a:ext cx="5527334" cy="436368"/>
+          </a:xfrm>
+          <a:prstGeom prst="rect">
+            <a:avLst/>
+          </a:prstGeom>
+          <a:solidFill>
+            <a:schemeClr val="bg1">
+              <a:lumMod val="65000"/>
+            </a:schemeClr>
+          </a:solidFill>
+          <a:ln w="9525" cap="flat" cmpd="sng" algn="ctr">
+            <a:noFill/>
+            <a:prstDash val="solid"/>
+            <a:round/>
+            <a:headEnd type="none" w="med" len="med"/>
+            <a:tailEnd type="none" w="med" len="med"/>
+          </a:ln>
+          <a:effectLst/>
+        </p:spPr>
+        <p:txBody>
+          <a:bodyPr vert="horz" wrap="square" lIns="91440" tIns="45720" rIns="91440" bIns="45720" numCol="1" rtlCol="0" anchor="t" anchorCtr="0" compatLnSpc="1">
+            <a:prstTxWarp prst="textNoShape">
+              <a:avLst/>
+            </a:prstTxWarp>
+          </a:bodyPr>
+          <a:lstStyle/>
+          <a:p>
+            <a:pPr marL="0" marR="0" indent="0" algn="ctr" defTabSz="914400" rtl="0" eaLnBrk="0" fontAlgn="base" latinLnBrk="0" hangingPunct="0">
+              <a:lnSpc>
+                <a:spcPct val="100000"/>
+              </a:lnSpc>
+              <a:spcBef>
+                <a:spcPct val="0"/>
+              </a:spcBef>
+              <a:spcAft>
+                <a:spcPct val="0"/>
+              </a:spcAft>
+              <a:buClrTx/>
+              <a:buSzTx/>
+              <a:buFontTx/>
+              <a:buNone/>
+              <a:tabLst/>
+            </a:pPr>
+            <a:r>
+              <a:rPr lang="de-DE" sz="2400" b="1" dirty="0"/>
+              <a:t>PAUSE</a:t>
+            </a:r>
+            <a:endParaRPr kumimoji="0" lang="de-DE" sz="2400" b="1" i="0" u="none" strike="noStrike" cap="none" normalizeH="0" baseline="0" dirty="0">
+              <a:ln>
+                <a:noFill/>
+              </a:ln>
+              <a:solidFill>
+                <a:schemeClr val="tx1"/>
+              </a:solidFill>
+              <a:effectLst/>
+              <a:latin typeface="Arial" charset="0"/>
+            </a:endParaRPr>
           </a:p>
         </p:txBody>
       </p:sp>
@@ -7221,10 +7227,10 @@
       </p:grpSpPr>
       <p:sp>
         <p:nvSpPr>
-          <p:cNvPr id="10" name="Textfeld 9">
+          <p:cNvPr id="2" name="Textfeld 1">
             <a:extLst>
               <a:ext uri="{FF2B5EF4-FFF2-40B4-BE49-F238E27FC236}">
-                <a16:creationId xmlns:a16="http://schemas.microsoft.com/office/drawing/2014/main" id="{6071DA56-9215-D2EB-5161-413087142F39}"/>
+                <a16:creationId xmlns:a16="http://schemas.microsoft.com/office/drawing/2014/main" id="{AEB9FE7F-8C52-B870-CA42-57C33CBF6D3D}"/>
               </a:ext>
             </a:extLst>
           </p:cNvPr>
@@ -7233,8 +7239,8 @@
         </p:nvSpPr>
         <p:spPr>
           <a:xfrm>
-            <a:off x="711384" y="1331640"/>
-            <a:ext cx="5328592" cy="2492990"/>
+            <a:off x="706488" y="1313019"/>
+            <a:ext cx="5328592" cy="1200329"/>
           </a:xfrm>
           <a:prstGeom prst="rect">
             <a:avLst/>
@@ -7248,63 +7254,58 @@
           <a:lstStyle/>
           <a:p>
             <a:r>
-              <a:rPr lang="en-US" sz="1200" dirty="0"/>
-              <a:t>If a player pauses the battle with button 1, only he can resume it with the same button again. During the break, the players can have a look at the current scoreboard (see Figure 2).</a:t>
-            </a:r>
-          </a:p>
-          <a:p>
-            <a:endParaRPr lang="en-US" sz="1200" dirty="0"/>
-          </a:p>
-          <a:p>
-            <a:endParaRPr lang="en-US" sz="1200" dirty="0"/>
-          </a:p>
-          <a:p>
-            <a:endParaRPr lang="en-US" sz="1200" dirty="0"/>
-          </a:p>
-          <a:p>
-            <a:endParaRPr lang="en-US" sz="1200" dirty="0"/>
-          </a:p>
-          <a:p>
-            <a:endParaRPr lang="en-US" sz="1200" dirty="0"/>
-          </a:p>
-          <a:p>
-            <a:r>
-              <a:rPr lang="en-US" sz="1200" dirty="0"/>
-              <a:t>Additional Info:</a:t>
+              <a:rPr lang="en-GB" sz="1200" dirty="0"/>
+              <a:t>Each drone starts with 50 health points:</a:t>
             </a:r>
           </a:p>
           <a:p>
             <a:pPr marL="171450" indent="-171450">
-              <a:buFontTx/>
-              <a:buChar char="-"/>
+              <a:buFont typeface="Arial" panose="020B0604020202020204" pitchFamily="34" charset="0"/>
+              <a:buChar char="•"/>
             </a:pPr>
             <a:r>
               <a:rPr lang="en-GB" sz="1200" dirty="0"/>
-              <a:t>Each drone starts with a default health of 50. Health decreases when hit by a bullet by 10.</a:t>
+              <a:t>Being hit by a bullet subtracts 10 points from the drone’s health.</a:t>
             </a:r>
           </a:p>
           <a:p>
             <a:pPr marL="171450" indent="-171450">
-              <a:buFontTx/>
-              <a:buChar char="-"/>
+              <a:buFont typeface="Arial" panose="020B0604020202020204" pitchFamily="34" charset="0"/>
+              <a:buChar char="•"/>
             </a:pPr>
             <a:r>
-              <a:rPr lang="en-US" sz="1200"/>
-              <a:t>…</a:t>
-            </a:r>
-            <a:endParaRPr lang="en-US" sz="1200" dirty="0"/>
-          </a:p>
-          <a:p>
-            <a:endParaRPr lang="en-US" sz="1200" dirty="0"/>
+              <a:rPr lang="en-GB" sz="1200" dirty="0"/>
+              <a:t>When the health reaches 0, the drone is destroyed and removed from the arena.</a:t>
+            </a:r>
+          </a:p>
+          <a:p>
+            <a:pPr marL="171450" indent="-171450">
+              <a:buFont typeface="Arial" panose="020B0604020202020204" pitchFamily="34" charset="0"/>
+              <a:buChar char="•"/>
+            </a:pPr>
+            <a:r>
+              <a:rPr lang="en-GB" sz="1200" dirty="0"/>
+              <a:t>It will respawn at a random position after a 4-second cooldown.</a:t>
+            </a:r>
+          </a:p>
+          <a:p>
+            <a:pPr marL="171450" indent="-171450">
+              <a:buFont typeface="Arial" panose="020B0604020202020204" pitchFamily="34" charset="0"/>
+              <a:buChar char="•"/>
+            </a:pPr>
+            <a:r>
+              <a:rPr lang="en-GB" sz="1200" dirty="0"/>
+              <a:t>Drones have unlimited respawns.</a:t>
+            </a:r>
           </a:p>
         </p:txBody>
       </p:sp>
       <p:sp>
         <p:nvSpPr>
-          <p:cNvPr id="13" name="Rechteck 12">
+          <p:cNvPr id="15" name="Rechteck 14">
             <a:extLst>
               <a:ext uri="{FF2B5EF4-FFF2-40B4-BE49-F238E27FC236}">
-                <a16:creationId xmlns:a16="http://schemas.microsoft.com/office/drawing/2014/main" id="{2EEA78A7-EDEB-DC29-2BAD-527241743590}"/>
+                <a16:creationId xmlns:a16="http://schemas.microsoft.com/office/drawing/2014/main" id="{8CEB3933-7714-6E54-C47F-8BF6237C4685}"/>
               </a:ext>
             </a:extLst>
           </p:cNvPr>
@@ -7313,8 +7314,8 @@
         </p:nvSpPr>
         <p:spPr bwMode="auto">
           <a:xfrm>
-            <a:off x="665333" y="789152"/>
-            <a:ext cx="5527334" cy="436368"/>
+            <a:off x="665333" y="2771800"/>
+            <a:ext cx="5545650" cy="436368"/>
           </a:xfrm>
           <a:prstGeom prst="rect">
             <a:avLst/>
@@ -7359,7 +7360,144 @@
             </a:pPr>
             <a:r>
               <a:rPr lang="de-DE" sz="2400" b="1" dirty="0"/>
-              <a:t>PAUSE</a:t>
+              <a:t>AFTER THE BATTLE</a:t>
+            </a:r>
+            <a:endParaRPr kumimoji="0" lang="de-DE" sz="2400" b="1" i="0" u="none" strike="noStrike" cap="none" normalizeH="0" baseline="0" dirty="0">
+              <a:ln>
+                <a:noFill/>
+              </a:ln>
+              <a:solidFill>
+                <a:schemeClr val="tx1"/>
+              </a:solidFill>
+              <a:effectLst/>
+              <a:latin typeface="Arial" charset="0"/>
+            </a:endParaRPr>
+          </a:p>
+        </p:txBody>
+      </p:sp>
+      <p:sp>
+        <p:nvSpPr>
+          <p:cNvPr id="19" name="Textfeld 18">
+            <a:extLst>
+              <a:ext uri="{FF2B5EF4-FFF2-40B4-BE49-F238E27FC236}">
+                <a16:creationId xmlns:a16="http://schemas.microsoft.com/office/drawing/2014/main" id="{62005D85-D526-D6EB-B4AD-97CB51CB6186}"/>
+              </a:ext>
+            </a:extLst>
+          </p:cNvPr>
+          <p:cNvSpPr txBox="1"/>
+          <p:nvPr/>
+        </p:nvSpPr>
+        <p:spPr>
+          <a:xfrm>
+            <a:off x="783020" y="3382943"/>
+            <a:ext cx="5328592" cy="1754326"/>
+          </a:xfrm>
+          <a:prstGeom prst="rect">
+            <a:avLst/>
+          </a:prstGeom>
+          <a:noFill/>
+        </p:spPr>
+        <p:txBody>
+          <a:bodyPr wrap="square" rtlCol="0">
+            <a:spAutoFit/>
+          </a:bodyPr>
+          <a:lstStyle/>
+          <a:p>
+            <a:r>
+              <a:rPr lang="en-US" sz="1200" dirty="0"/>
+              <a:t>The moment a player wins the battle a summary of the game will be shown. You can see the player who won, player stats and possible further actions.</a:t>
+            </a:r>
+          </a:p>
+          <a:p>
+            <a:r>
+              <a:rPr lang="en-US" sz="1200" b="1" dirty="0"/>
+              <a:t>PLAYER STATS	</a:t>
+            </a:r>
+          </a:p>
+          <a:p>
+            <a:r>
+              <a:rPr lang="en-US" sz="1200" dirty="0"/>
+              <a:t>A table with kills and deaths of each player will be shown, to compare yourself with your opponents. An asterisk indicates the player who won.</a:t>
+            </a:r>
+          </a:p>
+          <a:p>
+            <a:r>
+              <a:rPr lang="en-US" sz="1200" b="1" dirty="0"/>
+              <a:t>FURTHER ACTIONS</a:t>
+            </a:r>
+          </a:p>
+          <a:p>
+            <a:r>
+              <a:rPr lang="en-US" sz="1200" dirty="0"/>
+              <a:t>If you want to select a different game mode, press button 1. In case you enjoyed the game mode, please press the button 4 to play again.</a:t>
+            </a:r>
+          </a:p>
+          <a:p>
+            <a:endParaRPr lang="en-US" sz="1200" dirty="0"/>
+          </a:p>
+        </p:txBody>
+      </p:sp>
+      <p:sp>
+        <p:nvSpPr>
+          <p:cNvPr id="4" name="Rechteck 3">
+            <a:extLst>
+              <a:ext uri="{FF2B5EF4-FFF2-40B4-BE49-F238E27FC236}">
+                <a16:creationId xmlns:a16="http://schemas.microsoft.com/office/drawing/2014/main" id="{7FAC19C5-65F8-6AD4-E88A-CCF6275C9801}"/>
+              </a:ext>
+            </a:extLst>
+          </p:cNvPr>
+          <p:cNvSpPr/>
+          <p:nvPr/>
+        </p:nvSpPr>
+        <p:spPr bwMode="auto">
+          <a:xfrm>
+            <a:off x="665333" y="789264"/>
+            <a:ext cx="5527334" cy="436368"/>
+          </a:xfrm>
+          <a:prstGeom prst="rect">
+            <a:avLst/>
+          </a:prstGeom>
+          <a:solidFill>
+            <a:schemeClr val="bg1">
+              <a:lumMod val="65000"/>
+            </a:schemeClr>
+          </a:solidFill>
+          <a:ln w="9525" cap="flat" cmpd="sng" algn="ctr">
+            <a:noFill/>
+            <a:prstDash val="solid"/>
+            <a:round/>
+            <a:headEnd type="none" w="med" len="med"/>
+            <a:tailEnd type="none" w="med" len="med"/>
+          </a:ln>
+          <a:effectLst/>
+        </p:spPr>
+        <p:txBody>
+          <a:bodyPr vert="horz" wrap="square" lIns="91440" tIns="45720" rIns="91440" bIns="45720" numCol="1" rtlCol="0" anchor="t" anchorCtr="0" compatLnSpc="1">
+            <a:prstTxWarp prst="textNoShape">
+              <a:avLst/>
+            </a:prstTxWarp>
+          </a:bodyPr>
+          <a:lstStyle/>
+          <a:p>
+            <a:pPr marL="0" marR="0" indent="0" algn="ctr" defTabSz="914400" rtl="0" eaLnBrk="0" fontAlgn="base" latinLnBrk="0" hangingPunct="0">
+              <a:lnSpc>
+                <a:spcPct val="100000"/>
+              </a:lnSpc>
+              <a:spcBef>
+                <a:spcPct val="0"/>
+              </a:spcBef>
+              <a:spcAft>
+                <a:spcPct val="0"/>
+              </a:spcAft>
+              <a:buClrTx/>
+              <a:buSzTx/>
+              <a:buFontTx/>
+              <a:buNone/>
+              <a:tabLst/>
+            </a:pPr>
+            <a:r>
+              <a:rPr lang="de-DE" sz="2400" b="1" dirty="0"/>
+              <a:t>HEALTH &amp; DAMAGE</a:t>
             </a:r>
             <a:endParaRPr kumimoji="0" lang="de-DE" sz="2400" b="1" i="0" u="none" strike="noStrike" cap="none" normalizeH="0" baseline="0" dirty="0">
               <a:ln>

--- a/manual/manual_template.pptx
+++ b/manual/manual_template.pptx
@@ -3059,7 +3059,7 @@
                   <a:srgbClr val="000000"/>
                 </a:solidFill>
               </a:rPr>
-              <a:t>30.07.2025</a:t>
+              <a:t>31.07.2025</a:t>
             </a:fld>
             <a:endParaRPr lang="de-DE" dirty="0">
               <a:solidFill>
@@ -4098,7 +4098,7 @@
                   <a:srgbClr val="000000"/>
                 </a:solidFill>
               </a:rPr>
-              <a:t>30.07.2025</a:t>
+              <a:t>31.07.2025</a:t>
             </a:fld>
             <a:endParaRPr lang="de-DE" dirty="0">
               <a:solidFill>
@@ -6252,7 +6252,7 @@
           <p:spPr>
             <a:xfrm>
               <a:off x="1124744" y="4233934"/>
-              <a:ext cx="1644863" cy="577081"/>
+              <a:ext cx="1644863" cy="415498"/>
             </a:xfrm>
             <a:prstGeom prst="rect">
               <a:avLst/>
@@ -6273,7 +6273,7 @@
             <a:p>
               <a:r>
                 <a:rPr lang="en-US" sz="1050" dirty="0"/>
-                <a:t>Pauses and resumes the game</a:t>
+                <a:t>Pause / Resume</a:t>
               </a:r>
             </a:p>
           </p:txBody>

--- a/manual/manual_template.pptx
+++ b/manual/manual_template.pptx
@@ -3059,7 +3059,7 @@
                   <a:srgbClr val="000000"/>
                 </a:solidFill>
               </a:rPr>
-              <a:t>31.07.2025</a:t>
+              <a:t>02.08.2025</a:t>
             </a:fld>
             <a:endParaRPr lang="de-DE" dirty="0">
               <a:solidFill>
@@ -4098,7 +4098,7 @@
                   <a:srgbClr val="000000"/>
                 </a:solidFill>
               </a:rPr>
-              <a:t>31.07.2025</a:t>
+              <a:t>02.08.2025</a:t>
             </a:fld>
             <a:endParaRPr lang="de-DE" dirty="0">
               <a:solidFill>
@@ -5937,7 +5937,7 @@
         <p:spPr>
           <a:xfrm>
             <a:off x="656753" y="4911322"/>
-            <a:ext cx="5292527" cy="1569660"/>
+            <a:ext cx="5292527" cy="830997"/>
           </a:xfrm>
           <a:prstGeom prst="rect">
             <a:avLst/>
@@ -5952,9 +5952,10 @@
           <a:p>
             <a:pPr algn="ctr"/>
             <a:r>
-              <a:rPr lang="de-DE" sz="4800" b="1" dirty="0"/>
-              <a:t>BATTLE DRONES</a:t>
-            </a:r>
+              <a:rPr lang="de-DE" sz="4800" b="1" dirty="0" err="1"/>
+              <a:t>Vectrocopters</a:t>
+            </a:r>
+            <a:endParaRPr lang="de-DE" sz="4800" b="1" dirty="0"/>
           </a:p>
         </p:txBody>
       </p:sp>
@@ -6081,8 +6082,12 @@
           <a:lstStyle/>
           <a:p>
             <a:r>
+              <a:rPr lang="en-US" sz="1200" b="1" dirty="0" err="1"/>
+              <a:t>Vectrocopters</a:t>
+            </a:r>
+            <a:r>
               <a:rPr lang="en-US" sz="1200" b="1" dirty="0"/>
-              <a:t>Battle Drones </a:t>
+              <a:t> </a:t>
             </a:r>
             <a:r>
               <a:rPr lang="en-US" sz="1200" dirty="0"/>
@@ -6174,8 +6179,8 @@
               <a:tabLst/>
             </a:pPr>
             <a:r>
-              <a:rPr lang="de-DE" sz="4000" b="1" dirty="0"/>
-              <a:t>BATTLE DRONES</a:t>
+              <a:rPr lang="de-DE" sz="4000" b="1" dirty="0" err="1"/>
+              <a:t>Vectrocopters</a:t>
             </a:r>
             <a:endParaRPr kumimoji="0" lang="de-DE" sz="4000" b="1" i="0" u="none" strike="noStrike" normalizeH="0" dirty="0">
               <a:ln>
@@ -6343,7 +6348,15 @@
             <a:p>
               <a:r>
                 <a:rPr lang="en-GB" sz="1050" dirty="0"/>
-                <a:t>Controls the movement of the drone in 8 directions</a:t>
+                <a:t>Controls the movement of the </a:t>
+              </a:r>
+              <a:r>
+                <a:rPr lang="en-GB" sz="1050" dirty="0" err="1"/>
+                <a:t>vectrocopters</a:t>
+              </a:r>
+              <a:r>
+                <a:rPr lang="en-GB" sz="1050" dirty="0"/>
+                <a:t> in 8 directions</a:t>
               </a:r>
               <a:endParaRPr lang="en-US" sz="1050" dirty="0"/>
             </a:p>
@@ -6529,7 +6542,7 @@
         <p:spPr>
           <a:xfrm>
             <a:off x="764704" y="1380946"/>
-            <a:ext cx="5328592" cy="5170646"/>
+            <a:ext cx="5328592" cy="5355312"/>
           </a:xfrm>
           <a:prstGeom prst="rect">
             <a:avLst/>
@@ -6549,8 +6562,12 @@
           </a:p>
           <a:p>
             <a:r>
+              <a:rPr lang="en-US" sz="1200" dirty="0" err="1"/>
+              <a:t>Vectrocopters</a:t>
+            </a:r>
+            <a:r>
               <a:rPr lang="en-US" sz="1200" dirty="0"/>
-              <a:t>Battle Drones offers three different game modes for up to two players: </a:t>
+              <a:t> offers three different game modes for up to two players: </a:t>
             </a:r>
           </a:p>
           <a:p>
@@ -6564,7 +6581,15 @@
             </a:r>
             <a:r>
               <a:rPr lang="en-GB" sz="1200" dirty="0"/>
-              <a:t> Are you better than the computer? One player fights with three computer-controlled drones in the arena.</a:t>
+              <a:t> Are you better than the computer? One player fights with three computer-controlled </a:t>
+            </a:r>
+            <a:r>
+              <a:rPr lang="en-GB" sz="1200" dirty="0" err="1"/>
+              <a:t>vectrocopters</a:t>
+            </a:r>
+            <a:r>
+              <a:rPr lang="en-GB" sz="1200" dirty="0"/>
+              <a:t> in the arena.</a:t>
             </a:r>
           </a:p>
           <a:p>
@@ -6578,7 +6603,15 @@
             </a:r>
             <a:r>
               <a:rPr lang="en-GB" sz="1200" dirty="0"/>
-              <a:t> Invite a friend and let him join. Two human players and two computer-controlled drones fight individually.</a:t>
+              <a:t> Invite a friend and let him join. Two human players and two computer-controlled </a:t>
+            </a:r>
+            <a:r>
+              <a:rPr lang="en-GB" sz="1200" dirty="0" err="1"/>
+              <a:t>vectrocopters</a:t>
+            </a:r>
+            <a:r>
+              <a:rPr lang="en-GB" sz="1200" dirty="0"/>
+              <a:t> fight individually.</a:t>
             </a:r>
           </a:p>
           <a:p>
@@ -6601,7 +6634,31 @@
           <a:p>
             <a:r>
               <a:rPr lang="en-GB" sz="1200" dirty="0"/>
-              <a:t>Remember: drones have no feelings and can’t team up. All drones fight against each other. Only one drone can win!</a:t>
+              <a:t>Remember: </a:t>
+            </a:r>
+            <a:r>
+              <a:rPr lang="en-GB" sz="1200" dirty="0" err="1"/>
+              <a:t>Vectrocopters</a:t>
+            </a:r>
+            <a:r>
+              <a:rPr lang="en-GB" sz="1200" dirty="0"/>
+              <a:t> have no feelings and can’t team up. All </a:t>
+            </a:r>
+            <a:r>
+              <a:rPr lang="en-GB" sz="1200" dirty="0" err="1"/>
+              <a:t>vectrocopters</a:t>
+            </a:r>
+            <a:r>
+              <a:rPr lang="en-GB" sz="1200" dirty="0"/>
+              <a:t> fight against each other. Only one </a:t>
+            </a:r>
+            <a:r>
+              <a:rPr lang="en-GB" sz="1200" dirty="0" err="1"/>
+              <a:t>vectrocopter</a:t>
+            </a:r>
+            <a:r>
+              <a:rPr lang="en-GB" sz="1200" dirty="0"/>
+              <a:t> can win!</a:t>
             </a:r>
             <a:endParaRPr lang="en-US" sz="1200" dirty="0"/>
           </a:p>
@@ -6638,7 +6695,23 @@
           <a:p>
             <a:r>
               <a:rPr lang="en-GB" sz="1200" dirty="0"/>
-              <a:t>Control your drone to shoot down the other drones while also avoiding their attacks.</a:t>
+              <a:t>Control your </a:t>
+            </a:r>
+            <a:r>
+              <a:rPr lang="en-GB" sz="1200" dirty="0" err="1"/>
+              <a:t>vectrocopter</a:t>
+            </a:r>
+            <a:r>
+              <a:rPr lang="en-GB" sz="1200" dirty="0"/>
+              <a:t> to shoot down the other </a:t>
+            </a:r>
+            <a:r>
+              <a:rPr lang="en-GB" sz="1200" dirty="0" err="1"/>
+              <a:t>vectrocopters</a:t>
+            </a:r>
+            <a:r>
+              <a:rPr lang="en-GB" sz="1200" dirty="0"/>
+              <a:t> while also avoiding their attacks.</a:t>
             </a:r>
           </a:p>
           <a:p>
@@ -6650,7 +6723,23 @@
           <a:p>
             <a:r>
               <a:rPr lang="en-GB" sz="1200" dirty="0"/>
-              <a:t>If your drone is shot down, don’t worry. You will receive a new drone after a 4-second cooldown period. You have unlimited respawns.</a:t>
+              <a:t>If your </a:t>
+            </a:r>
+            <a:r>
+              <a:rPr lang="en-GB" sz="1200" dirty="0" err="1"/>
+              <a:t>vectrocopter</a:t>
+            </a:r>
+            <a:r>
+              <a:rPr lang="en-GB" sz="1200" dirty="0"/>
+              <a:t> is shot down, don’t worry. You will receive a new </a:t>
+            </a:r>
+            <a:r>
+              <a:rPr lang="en-GB" sz="1200" dirty="0" err="1"/>
+              <a:t>vectrocopter</a:t>
+            </a:r>
+            <a:r>
+              <a:rPr lang="en-GB" sz="1200" dirty="0"/>
+              <a:t> after a 4-second cooldown period. You have unlimited respawns.</a:t>
             </a:r>
           </a:p>
           <a:p>
@@ -6678,7 +6767,7 @@
         </p:nvSpPr>
         <p:spPr bwMode="auto">
           <a:xfrm>
-            <a:off x="665333" y="6439888"/>
+            <a:off x="665333" y="6518074"/>
             <a:ext cx="5527334" cy="436368"/>
           </a:xfrm>
           <a:prstGeom prst="rect">
@@ -6767,7 +6856,15 @@
             </a:pPr>
             <a:r>
               <a:rPr lang="en-GB" sz="1200" dirty="0"/>
-              <a:t>Only the final hit counts. The last drone that strikes the killing blow receives credit for the elimination.</a:t>
+              <a:t>Only the final hit counts. The last </a:t>
+            </a:r>
+            <a:r>
+              <a:rPr lang="en-GB" sz="1200" dirty="0" err="1"/>
+              <a:t>vectrocopter</a:t>
+            </a:r>
+            <a:r>
+              <a:rPr lang="en-GB" sz="1200" dirty="0"/>
+              <a:t> that strikes the killing blow receives credit for the elimination.</a:t>
             </a:r>
           </a:p>
           <a:p>
@@ -6861,12 +6958,265 @@
           </a:p>
         </p:txBody>
       </p:sp>
+      <p:sp>
+        <p:nvSpPr>
+          <p:cNvPr id="12" name="Rechteck 11">
+            <a:extLst>
+              <a:ext uri="{FF2B5EF4-FFF2-40B4-BE49-F238E27FC236}">
+                <a16:creationId xmlns:a16="http://schemas.microsoft.com/office/drawing/2014/main" id="{ABA03012-92DD-9783-3CC9-0762C344EC38}"/>
+              </a:ext>
+            </a:extLst>
+          </p:cNvPr>
+          <p:cNvSpPr/>
+          <p:nvPr/>
+        </p:nvSpPr>
+        <p:spPr bwMode="auto">
+          <a:xfrm>
+            <a:off x="665333" y="790557"/>
+            <a:ext cx="5527334" cy="436368"/>
+          </a:xfrm>
+          <a:prstGeom prst="rect">
+            <a:avLst/>
+          </a:prstGeom>
+          <a:solidFill>
+            <a:schemeClr val="bg1">
+              <a:lumMod val="65000"/>
+            </a:schemeClr>
+          </a:solidFill>
+          <a:ln w="9525" cap="flat" cmpd="sng" algn="ctr">
+            <a:noFill/>
+            <a:prstDash val="solid"/>
+            <a:round/>
+            <a:headEnd type="none" w="med" len="med"/>
+            <a:tailEnd type="none" w="med" len="med"/>
+          </a:ln>
+          <a:effectLst/>
+        </p:spPr>
+        <p:txBody>
+          <a:bodyPr vert="horz" wrap="square" lIns="91440" tIns="45720" rIns="91440" bIns="45720" numCol="1" rtlCol="0" anchor="t" anchorCtr="0" compatLnSpc="1">
+            <a:prstTxWarp prst="textNoShape">
+              <a:avLst/>
+            </a:prstTxWarp>
+          </a:bodyPr>
+          <a:lstStyle/>
+          <a:p>
+            <a:pPr marL="0" marR="0" indent="0" algn="ctr" defTabSz="914400" rtl="0" eaLnBrk="0" fontAlgn="base" latinLnBrk="0" hangingPunct="0">
+              <a:lnSpc>
+                <a:spcPct val="100000"/>
+              </a:lnSpc>
+              <a:spcBef>
+                <a:spcPct val="0"/>
+              </a:spcBef>
+              <a:spcAft>
+                <a:spcPct val="0"/>
+              </a:spcAft>
+              <a:buClrTx/>
+              <a:buSzTx/>
+              <a:buFontTx/>
+              <a:buNone/>
+              <a:tabLst/>
+            </a:pPr>
+            <a:r>
+              <a:rPr lang="de-DE" sz="2400" b="1" dirty="0"/>
+              <a:t>SCOREBOARD</a:t>
+            </a:r>
+            <a:endParaRPr kumimoji="0" lang="de-DE" sz="2400" b="1" i="0" u="none" strike="noStrike" cap="none" normalizeH="0" baseline="0" dirty="0">
+              <a:ln>
+                <a:noFill/>
+              </a:ln>
+              <a:solidFill>
+                <a:schemeClr val="tx1"/>
+              </a:solidFill>
+              <a:effectLst/>
+              <a:latin typeface="Arial" charset="0"/>
+            </a:endParaRPr>
+          </a:p>
+        </p:txBody>
+      </p:sp>
+      <p:sp>
+        <p:nvSpPr>
+          <p:cNvPr id="18" name="Textfeld 17">
+            <a:extLst>
+              <a:ext uri="{FF2B5EF4-FFF2-40B4-BE49-F238E27FC236}">
+                <a16:creationId xmlns:a16="http://schemas.microsoft.com/office/drawing/2014/main" id="{9EEA103D-098F-FCA0-97B6-54D8B08ED89B}"/>
+              </a:ext>
+            </a:extLst>
+          </p:cNvPr>
+          <p:cNvSpPr txBox="1"/>
+          <p:nvPr/>
+        </p:nvSpPr>
+        <p:spPr>
+          <a:xfrm>
+            <a:off x="860235" y="5428414"/>
+            <a:ext cx="5161054" cy="276999"/>
+          </a:xfrm>
+          <a:prstGeom prst="rect">
+            <a:avLst/>
+          </a:prstGeom>
+          <a:noFill/>
+        </p:spPr>
+        <p:txBody>
+          <a:bodyPr wrap="square" rtlCol="0">
+            <a:spAutoFit/>
+          </a:bodyPr>
+          <a:lstStyle/>
+          <a:p>
+            <a:r>
+              <a:rPr lang="en-US" sz="1200" dirty="0"/>
+              <a:t> Fig. 1: Pause Menu	                  Fig. 2: Winner Screen with Stats</a:t>
+            </a:r>
+          </a:p>
+        </p:txBody>
+      </p:sp>
+      <p:sp>
+        <p:nvSpPr>
+          <p:cNvPr id="10" name="Textfeld 9">
+            <a:extLst>
+              <a:ext uri="{FF2B5EF4-FFF2-40B4-BE49-F238E27FC236}">
+                <a16:creationId xmlns:a16="http://schemas.microsoft.com/office/drawing/2014/main" id="{6071DA56-9215-D2EB-5161-413087142F39}"/>
+              </a:ext>
+            </a:extLst>
+          </p:cNvPr>
+          <p:cNvSpPr txBox="1"/>
+          <p:nvPr/>
+        </p:nvSpPr>
+        <p:spPr>
+          <a:xfrm>
+            <a:off x="714068" y="6700824"/>
+            <a:ext cx="5328592" cy="1384995"/>
+          </a:xfrm>
+          <a:prstGeom prst="rect">
+            <a:avLst/>
+          </a:prstGeom>
+          <a:noFill/>
+        </p:spPr>
+        <p:txBody>
+          <a:bodyPr wrap="square" rtlCol="0">
+            <a:spAutoFit/>
+          </a:bodyPr>
+          <a:lstStyle/>
+          <a:p>
+            <a:r>
+              <a:rPr lang="en-US" sz="1200" dirty="0"/>
+              <a:t>If a player pauses the battle with button 1, only he can resume it with the same button again</a:t>
+            </a:r>
+            <a:r>
+              <a:rPr lang="en-GB" sz="1200" dirty="0"/>
+              <a:t>. During pause mode:</a:t>
+            </a:r>
+          </a:p>
+          <a:p>
+            <a:pPr marL="171450" indent="-171450">
+              <a:buFont typeface="Arial" panose="020B0604020202020204" pitchFamily="34" charset="0"/>
+              <a:buChar char="•"/>
+            </a:pPr>
+            <a:r>
+              <a:rPr lang="en-GB" sz="1200" dirty="0"/>
+              <a:t>All in-game action is paused, but the rendering continues.</a:t>
+            </a:r>
+          </a:p>
+          <a:p>
+            <a:pPr marL="171450" indent="-171450">
+              <a:buFont typeface="Arial" panose="020B0604020202020204" pitchFamily="34" charset="0"/>
+              <a:buChar char="•"/>
+            </a:pPr>
+            <a:r>
+              <a:rPr lang="en-GB" sz="1200" dirty="0"/>
+              <a:t>The current scoreboard is shown (see Figure 1) and shows the current stats for each player.</a:t>
+            </a:r>
+          </a:p>
+          <a:p>
+            <a:endParaRPr lang="en-GB" sz="1200" dirty="0"/>
+          </a:p>
+          <a:p>
+            <a:r>
+              <a:rPr lang="en-GB" sz="1200" dirty="0"/>
+              <a:t>Press Button 1 again to resume the battle.</a:t>
+            </a:r>
+          </a:p>
+        </p:txBody>
+      </p:sp>
+      <p:sp>
+        <p:nvSpPr>
+          <p:cNvPr id="13" name="Rechteck 12">
+            <a:extLst>
+              <a:ext uri="{FF2B5EF4-FFF2-40B4-BE49-F238E27FC236}">
+                <a16:creationId xmlns:a16="http://schemas.microsoft.com/office/drawing/2014/main" id="{2EEA78A7-EDEB-DC29-2BAD-527241743590}"/>
+              </a:ext>
+            </a:extLst>
+          </p:cNvPr>
+          <p:cNvSpPr/>
+          <p:nvPr/>
+        </p:nvSpPr>
+        <p:spPr bwMode="auto">
+          <a:xfrm>
+            <a:off x="668017" y="6158336"/>
+            <a:ext cx="5527334" cy="436368"/>
+          </a:xfrm>
+          <a:prstGeom prst="rect">
+            <a:avLst/>
+          </a:prstGeom>
+          <a:solidFill>
+            <a:schemeClr val="bg1">
+              <a:lumMod val="65000"/>
+            </a:schemeClr>
+          </a:solidFill>
+          <a:ln w="9525" cap="flat" cmpd="sng" algn="ctr">
+            <a:noFill/>
+            <a:prstDash val="solid"/>
+            <a:round/>
+            <a:headEnd type="none" w="med" len="med"/>
+            <a:tailEnd type="none" w="med" len="med"/>
+          </a:ln>
+          <a:effectLst/>
+        </p:spPr>
+        <p:txBody>
+          <a:bodyPr vert="horz" wrap="square" lIns="91440" tIns="45720" rIns="91440" bIns="45720" numCol="1" rtlCol="0" anchor="t" anchorCtr="0" compatLnSpc="1">
+            <a:prstTxWarp prst="textNoShape">
+              <a:avLst/>
+            </a:prstTxWarp>
+          </a:bodyPr>
+          <a:lstStyle/>
+          <a:p>
+            <a:pPr marL="0" marR="0" indent="0" algn="ctr" defTabSz="914400" rtl="0" eaLnBrk="0" fontAlgn="base" latinLnBrk="0" hangingPunct="0">
+              <a:lnSpc>
+                <a:spcPct val="100000"/>
+              </a:lnSpc>
+              <a:spcBef>
+                <a:spcPct val="0"/>
+              </a:spcBef>
+              <a:spcAft>
+                <a:spcPct val="0"/>
+              </a:spcAft>
+              <a:buClrTx/>
+              <a:buSzTx/>
+              <a:buFontTx/>
+              <a:buNone/>
+              <a:tabLst/>
+            </a:pPr>
+            <a:r>
+              <a:rPr lang="de-DE" sz="2400" b="1" dirty="0"/>
+              <a:t>PAUSE</a:t>
+            </a:r>
+            <a:endParaRPr kumimoji="0" lang="de-DE" sz="2400" b="1" i="0" u="none" strike="noStrike" cap="none" normalizeH="0" baseline="0" dirty="0">
+              <a:ln>
+                <a:noFill/>
+              </a:ln>
+              <a:solidFill>
+                <a:schemeClr val="tx1"/>
+              </a:solidFill>
+              <a:effectLst/>
+              <a:latin typeface="Arial" charset="0"/>
+            </a:endParaRPr>
+          </a:p>
+        </p:txBody>
+      </p:sp>
       <p:pic>
         <p:nvPicPr>
-          <p:cNvPr id="11" name="Grafik 10">
+          <p:cNvPr id="3" name="Grafik 2" descr="Ein Bild, das Text, Screenshot, Schrift, Zahl enthält.&#10;&#10;KI-generierte Inhalte können fehlerhaft sein.">
             <a:extLst>
               <a:ext uri="{FF2B5EF4-FFF2-40B4-BE49-F238E27FC236}">
-                <a16:creationId xmlns:a16="http://schemas.microsoft.com/office/drawing/2014/main" id="{D84B0A18-3912-BBF8-28AF-E711BE9F2BB1}"/>
+                <a16:creationId xmlns:a16="http://schemas.microsoft.com/office/drawing/2014/main" id="{A0346560-BE4C-B0F7-1710-6154A81A0B4B}"/>
               </a:ext>
             </a:extLst>
           </p:cNvPr>
@@ -6890,95 +7240,20 @@
         </p:blipFill>
         <p:spPr>
           <a:xfrm>
-            <a:off x="3539822" y="2506540"/>
-            <a:ext cx="2337452" cy="2925154"/>
+            <a:off x="972896" y="2512835"/>
+            <a:ext cx="2332422" cy="2918859"/>
           </a:xfrm>
           <a:prstGeom prst="rect">
             <a:avLst/>
           </a:prstGeom>
         </p:spPr>
       </p:pic>
-      <p:sp>
-        <p:nvSpPr>
-          <p:cNvPr id="12" name="Rechteck 11">
+      <p:pic>
+        <p:nvPicPr>
+          <p:cNvPr id="5" name="Grafik 4" descr="Ein Bild, das Text, Screenshot, Schrift, Zahl enthält.&#10;&#10;KI-generierte Inhalte können fehlerhaft sein.">
             <a:extLst>
               <a:ext uri="{FF2B5EF4-FFF2-40B4-BE49-F238E27FC236}">
-                <a16:creationId xmlns:a16="http://schemas.microsoft.com/office/drawing/2014/main" id="{ABA03012-92DD-9783-3CC9-0762C344EC38}"/>
-              </a:ext>
-            </a:extLst>
-          </p:cNvPr>
-          <p:cNvSpPr/>
-          <p:nvPr/>
-        </p:nvSpPr>
-        <p:spPr bwMode="auto">
-          <a:xfrm>
-            <a:off x="665333" y="790557"/>
-            <a:ext cx="5527334" cy="436368"/>
-          </a:xfrm>
-          <a:prstGeom prst="rect">
-            <a:avLst/>
-          </a:prstGeom>
-          <a:solidFill>
-            <a:schemeClr val="bg1">
-              <a:lumMod val="65000"/>
-            </a:schemeClr>
-          </a:solidFill>
-          <a:ln w="9525" cap="flat" cmpd="sng" algn="ctr">
-            <a:noFill/>
-            <a:prstDash val="solid"/>
-            <a:round/>
-            <a:headEnd type="none" w="med" len="med"/>
-            <a:tailEnd type="none" w="med" len="med"/>
-          </a:ln>
-          <a:effectLst/>
-        </p:spPr>
-        <p:txBody>
-          <a:bodyPr vert="horz" wrap="square" lIns="91440" tIns="45720" rIns="91440" bIns="45720" numCol="1" rtlCol="0" anchor="t" anchorCtr="0" compatLnSpc="1">
-            <a:prstTxWarp prst="textNoShape">
-              <a:avLst/>
-            </a:prstTxWarp>
-          </a:bodyPr>
-          <a:lstStyle/>
-          <a:p>
-            <a:pPr marL="0" marR="0" indent="0" algn="ctr" defTabSz="914400" rtl="0" eaLnBrk="0" fontAlgn="base" latinLnBrk="0" hangingPunct="0">
-              <a:lnSpc>
-                <a:spcPct val="100000"/>
-              </a:lnSpc>
-              <a:spcBef>
-                <a:spcPct val="0"/>
-              </a:spcBef>
-              <a:spcAft>
-                <a:spcPct val="0"/>
-              </a:spcAft>
-              <a:buClrTx/>
-              <a:buSzTx/>
-              <a:buFontTx/>
-              <a:buNone/>
-              <a:tabLst/>
-            </a:pPr>
-            <a:r>
-              <a:rPr lang="de-DE" sz="2400" b="1" dirty="0"/>
-              <a:t>SCOREBOARD</a:t>
-            </a:r>
-            <a:endParaRPr kumimoji="0" lang="de-DE" sz="2400" b="1" i="0" u="none" strike="noStrike" cap="none" normalizeH="0" baseline="0" dirty="0">
-              <a:ln>
-                <a:noFill/>
-              </a:ln>
-              <a:solidFill>
-                <a:schemeClr val="tx1"/>
-              </a:solidFill>
-              <a:effectLst/>
-              <a:latin typeface="Arial" charset="0"/>
-            </a:endParaRPr>
-          </a:p>
-        </p:txBody>
-      </p:sp>
-      <p:pic>
-        <p:nvPicPr>
-          <p:cNvPr id="17" name="Grafik 16" descr="Ein Bild, das Text, Screenshot, Zahl, Schrift enthält.&#10;&#10;KI-generierte Inhalte können fehlerhaft sein.">
-            <a:extLst>
-              <a:ext uri="{FF2B5EF4-FFF2-40B4-BE49-F238E27FC236}">
-                <a16:creationId xmlns:a16="http://schemas.microsoft.com/office/drawing/2014/main" id="{DD2728D8-FFA6-F8D9-BDA2-48A2F284276A}"/>
+                <a16:creationId xmlns:a16="http://schemas.microsoft.com/office/drawing/2014/main" id="{D34B51CA-35FC-3D82-0672-BD0F815F9159}"/>
               </a:ext>
             </a:extLst>
           </p:cNvPr>
@@ -7002,192 +7277,14 @@
         </p:blipFill>
         <p:spPr>
           <a:xfrm>
-            <a:off x="980728" y="2506540"/>
-            <a:ext cx="2337452" cy="2925154"/>
+            <a:off x="3552684" y="2506540"/>
+            <a:ext cx="2332422" cy="2918860"/>
           </a:xfrm>
           <a:prstGeom prst="rect">
             <a:avLst/>
           </a:prstGeom>
         </p:spPr>
       </p:pic>
-      <p:sp>
-        <p:nvSpPr>
-          <p:cNvPr id="18" name="Textfeld 17">
-            <a:extLst>
-              <a:ext uri="{FF2B5EF4-FFF2-40B4-BE49-F238E27FC236}">
-                <a16:creationId xmlns:a16="http://schemas.microsoft.com/office/drawing/2014/main" id="{9EEA103D-098F-FCA0-97B6-54D8B08ED89B}"/>
-              </a:ext>
-            </a:extLst>
-          </p:cNvPr>
-          <p:cNvSpPr txBox="1"/>
-          <p:nvPr/>
-        </p:nvSpPr>
-        <p:spPr>
-          <a:xfrm>
-            <a:off x="860235" y="5428414"/>
-            <a:ext cx="5161054" cy="276999"/>
-          </a:xfrm>
-          <a:prstGeom prst="rect">
-            <a:avLst/>
-          </a:prstGeom>
-          <a:noFill/>
-        </p:spPr>
-        <p:txBody>
-          <a:bodyPr wrap="square" rtlCol="0">
-            <a:spAutoFit/>
-          </a:bodyPr>
-          <a:lstStyle/>
-          <a:p>
-            <a:r>
-              <a:rPr lang="en-US" sz="1200" dirty="0"/>
-              <a:t> Fig. 1: Pause Menu	                  Fig. 2: Winner Screen with Stats</a:t>
-            </a:r>
-          </a:p>
-        </p:txBody>
-      </p:sp>
-      <p:sp>
-        <p:nvSpPr>
-          <p:cNvPr id="10" name="Textfeld 9">
-            <a:extLst>
-              <a:ext uri="{FF2B5EF4-FFF2-40B4-BE49-F238E27FC236}">
-                <a16:creationId xmlns:a16="http://schemas.microsoft.com/office/drawing/2014/main" id="{6071DA56-9215-D2EB-5161-413087142F39}"/>
-              </a:ext>
-            </a:extLst>
-          </p:cNvPr>
-          <p:cNvSpPr txBox="1"/>
-          <p:nvPr/>
-        </p:nvSpPr>
-        <p:spPr>
-          <a:xfrm>
-            <a:off x="714068" y="6700824"/>
-            <a:ext cx="5328592" cy="1384995"/>
-          </a:xfrm>
-          <a:prstGeom prst="rect">
-            <a:avLst/>
-          </a:prstGeom>
-          <a:noFill/>
-        </p:spPr>
-        <p:txBody>
-          <a:bodyPr wrap="square" rtlCol="0">
-            <a:spAutoFit/>
-          </a:bodyPr>
-          <a:lstStyle/>
-          <a:p>
-            <a:r>
-              <a:rPr lang="en-US" sz="1200" dirty="0"/>
-              <a:t>If a player pauses the battle with button 1, only he can resume it with the same button again</a:t>
-            </a:r>
-            <a:r>
-              <a:rPr lang="en-GB" sz="1200" dirty="0"/>
-              <a:t>. During pause mode:</a:t>
-            </a:r>
-          </a:p>
-          <a:p>
-            <a:pPr marL="171450" indent="-171450">
-              <a:buFont typeface="Arial" panose="020B0604020202020204" pitchFamily="34" charset="0"/>
-              <a:buChar char="•"/>
-            </a:pPr>
-            <a:r>
-              <a:rPr lang="en-GB" sz="1200" dirty="0"/>
-              <a:t>All in-game action is paused, but the rendering continues.</a:t>
-            </a:r>
-          </a:p>
-          <a:p>
-            <a:pPr marL="171450" indent="-171450">
-              <a:buFont typeface="Arial" panose="020B0604020202020204" pitchFamily="34" charset="0"/>
-              <a:buChar char="•"/>
-            </a:pPr>
-            <a:r>
-              <a:rPr lang="en-GB" sz="1200" dirty="0"/>
-              <a:t>The current scoreboard is shown (see Figure 1) and shows the current stats for each player.</a:t>
-            </a:r>
-          </a:p>
-          <a:p>
-            <a:endParaRPr lang="en-GB" sz="1200" dirty="0"/>
-          </a:p>
-          <a:p>
-            <a:r>
-              <a:rPr lang="en-GB" sz="1200" dirty="0"/>
-              <a:t>Press Button 1 again to resume the battle.</a:t>
-            </a:r>
-          </a:p>
-        </p:txBody>
-      </p:sp>
-      <p:sp>
-        <p:nvSpPr>
-          <p:cNvPr id="13" name="Rechteck 12">
-            <a:extLst>
-              <a:ext uri="{FF2B5EF4-FFF2-40B4-BE49-F238E27FC236}">
-                <a16:creationId xmlns:a16="http://schemas.microsoft.com/office/drawing/2014/main" id="{2EEA78A7-EDEB-DC29-2BAD-527241743590}"/>
-              </a:ext>
-            </a:extLst>
-          </p:cNvPr>
-          <p:cNvSpPr/>
-          <p:nvPr/>
-        </p:nvSpPr>
-        <p:spPr bwMode="auto">
-          <a:xfrm>
-            <a:off x="668017" y="6158336"/>
-            <a:ext cx="5527334" cy="436368"/>
-          </a:xfrm>
-          <a:prstGeom prst="rect">
-            <a:avLst/>
-          </a:prstGeom>
-          <a:solidFill>
-            <a:schemeClr val="bg1">
-              <a:lumMod val="65000"/>
-            </a:schemeClr>
-          </a:solidFill>
-          <a:ln w="9525" cap="flat" cmpd="sng" algn="ctr">
-            <a:noFill/>
-            <a:prstDash val="solid"/>
-            <a:round/>
-            <a:headEnd type="none" w="med" len="med"/>
-            <a:tailEnd type="none" w="med" len="med"/>
-          </a:ln>
-          <a:effectLst/>
-        </p:spPr>
-        <p:txBody>
-          <a:bodyPr vert="horz" wrap="square" lIns="91440" tIns="45720" rIns="91440" bIns="45720" numCol="1" rtlCol="0" anchor="t" anchorCtr="0" compatLnSpc="1">
-            <a:prstTxWarp prst="textNoShape">
-              <a:avLst/>
-            </a:prstTxWarp>
-          </a:bodyPr>
-          <a:lstStyle/>
-          <a:p>
-            <a:pPr marL="0" marR="0" indent="0" algn="ctr" defTabSz="914400" rtl="0" eaLnBrk="0" fontAlgn="base" latinLnBrk="0" hangingPunct="0">
-              <a:lnSpc>
-                <a:spcPct val="100000"/>
-              </a:lnSpc>
-              <a:spcBef>
-                <a:spcPct val="0"/>
-              </a:spcBef>
-              <a:spcAft>
-                <a:spcPct val="0"/>
-              </a:spcAft>
-              <a:buClrTx/>
-              <a:buSzTx/>
-              <a:buFontTx/>
-              <a:buNone/>
-              <a:tabLst/>
-            </a:pPr>
-            <a:r>
-              <a:rPr lang="de-DE" sz="2400" b="1" dirty="0"/>
-              <a:t>PAUSE</a:t>
-            </a:r>
-            <a:endParaRPr kumimoji="0" lang="de-DE" sz="2400" b="1" i="0" u="none" strike="noStrike" cap="none" normalizeH="0" baseline="0" dirty="0">
-              <a:ln>
-                <a:noFill/>
-              </a:ln>
-              <a:solidFill>
-                <a:schemeClr val="tx1"/>
-              </a:solidFill>
-              <a:effectLst/>
-              <a:latin typeface="Arial" charset="0"/>
-            </a:endParaRPr>
-          </a:p>
-        </p:txBody>
-      </p:sp>
     </p:spTree>
     <p:extLst>
       <p:ext uri="{BB962C8B-B14F-4D97-AF65-F5344CB8AC3E}">
@@ -7255,7 +7352,15 @@
           <a:p>
             <a:r>
               <a:rPr lang="en-GB" sz="1200" dirty="0"/>
-              <a:t>Each drone starts with 50 health points:</a:t>
+              <a:t>Each </a:t>
+            </a:r>
+            <a:r>
+              <a:rPr lang="en-GB" sz="1200" dirty="0" err="1"/>
+              <a:t>vectrocopter</a:t>
+            </a:r>
+            <a:r>
+              <a:rPr lang="en-GB" sz="1200" dirty="0"/>
+              <a:t> starts with 50 health points:</a:t>
             </a:r>
           </a:p>
           <a:p>
@@ -7265,7 +7370,15 @@
             </a:pPr>
             <a:r>
               <a:rPr lang="en-GB" sz="1200" dirty="0"/>
-              <a:t>Being hit by a bullet subtracts 10 points from the drone’s health.</a:t>
+              <a:t>Being hit by a bullet subtracts 10 points from the </a:t>
+            </a:r>
+            <a:r>
+              <a:rPr lang="en-GB" sz="1200" dirty="0" err="1"/>
+              <a:t>vectrocopter’s</a:t>
+            </a:r>
+            <a:r>
+              <a:rPr lang="en-GB" sz="1200" dirty="0"/>
+              <a:t> health.</a:t>
             </a:r>
           </a:p>
           <a:p>
@@ -7275,7 +7388,15 @@
             </a:pPr>
             <a:r>
               <a:rPr lang="en-GB" sz="1200" dirty="0"/>
-              <a:t>When the health reaches 0, the drone is destroyed and removed from the arena.</a:t>
+              <a:t>When the health reaches 0, the </a:t>
+            </a:r>
+            <a:r>
+              <a:rPr lang="en-GB" sz="1200" dirty="0" err="1"/>
+              <a:t>vectrocopter</a:t>
+            </a:r>
+            <a:r>
+              <a:rPr lang="en-GB" sz="1200" dirty="0"/>
+              <a:t> is destroyed and removed from the arena.</a:t>
             </a:r>
           </a:p>
           <a:p>
@@ -7294,8 +7415,12 @@
               <a:buChar char="•"/>
             </a:pPr>
             <a:r>
+              <a:rPr lang="en-GB" sz="1200" dirty="0" err="1"/>
+              <a:t>Vectrocopters</a:t>
+            </a:r>
+            <a:r>
               <a:rPr lang="en-GB" sz="1200" dirty="0"/>
-              <a:t>Drones have unlimited respawns.</a:t>
+              <a:t> have unlimited respawns.</a:t>
             </a:r>
           </a:p>
         </p:txBody>
@@ -7912,10 +8037,10 @@
       </p:sp>
       <p:pic>
         <p:nvPicPr>
-          <p:cNvPr id="9" name="Grafik 8" descr="Ein Bild, das Text, Screenshot, Multimedia, Software enthält.&#10;&#10;KI-generierte Inhalte können fehlerhaft sein.">
+          <p:cNvPr id="10" name="Grafik 9" descr="Ein Bild, das Text, Screenshot, Multimedia, Software enthält.&#10;&#10;KI-generierte Inhalte können fehlerhaft sein.">
             <a:extLst>
               <a:ext uri="{FF2B5EF4-FFF2-40B4-BE49-F238E27FC236}">
-                <a16:creationId xmlns:a16="http://schemas.microsoft.com/office/drawing/2014/main" id="{C21FAA14-5E8A-BFFF-4E2B-1EAC4042AAAB}"/>
+                <a16:creationId xmlns:a16="http://schemas.microsoft.com/office/drawing/2014/main" id="{82D68649-A843-2B0C-4AE5-167839273D7F}"/>
               </a:ext>
             </a:extLst>
           </p:cNvPr>
@@ -7939,8 +8064,8 @@
         </p:blipFill>
         <p:spPr>
           <a:xfrm>
-            <a:off x="1000579" y="2108608"/>
-            <a:ext cx="1169586" cy="1504856"/>
+            <a:off x="991861" y="2097391"/>
+            <a:ext cx="1187022" cy="1527290"/>
           </a:xfrm>
           <a:prstGeom prst="rect">
             <a:avLst/>
